--- a/Die Methode der latenten Klassenanalyse.pptx
+++ b/Die Methode der latenten Klassenanalyse.pptx
@@ -241,7 +241,7 @@
           <a:p>
             <a:fld id="{1EAF2914-A189-417E-8CE1-3DE419680B7E}" type="datetimeFigureOut">
               <a:rPr lang="de-DE" smtClean="0"/>
-              <a:t>28.05.2024</a:t>
+              <a:t>15.07.2024</a:t>
             </a:fld>
             <a:endParaRPr lang="de-DE"/>
           </a:p>
@@ -2503,7 +2503,7 @@
           <a:p>
             <a:fld id="{44D283F1-7BE0-49CC-A646-3C989056FCA8}" type="datetime1">
               <a:rPr lang="de-DE" smtClean="0"/>
-              <a:t>28.05.2024</a:t>
+              <a:t>15.07.2024</a:t>
             </a:fld>
             <a:endParaRPr lang="de-DE"/>
           </a:p>
@@ -2701,7 +2701,7 @@
           <a:p>
             <a:fld id="{1C156ED4-C49A-4703-BD87-A43486DB0506}" type="datetime1">
               <a:rPr lang="de-DE" smtClean="0"/>
-              <a:t>28.05.2024</a:t>
+              <a:t>15.07.2024</a:t>
             </a:fld>
             <a:endParaRPr lang="de-DE"/>
           </a:p>
@@ -2909,7 +2909,7 @@
           <a:p>
             <a:fld id="{7C312844-AFC3-4F04-9BA3-095D584396B5}" type="datetime1">
               <a:rPr lang="de-DE" smtClean="0"/>
-              <a:t>28.05.2024</a:t>
+              <a:t>15.07.2024</a:t>
             </a:fld>
             <a:endParaRPr lang="de-DE"/>
           </a:p>
@@ -3107,7 +3107,7 @@
           <a:p>
             <a:fld id="{3FD7C6E5-71F4-4B4C-BDF2-01E601A1EF68}" type="datetime1">
               <a:rPr lang="de-DE" smtClean="0"/>
-              <a:t>28.05.2024</a:t>
+              <a:t>15.07.2024</a:t>
             </a:fld>
             <a:endParaRPr lang="de-DE"/>
           </a:p>
@@ -3382,7 +3382,7 @@
           <a:p>
             <a:fld id="{381A51FD-2D03-4D53-A3C6-447A4B9A253E}" type="datetime1">
               <a:rPr lang="de-DE" smtClean="0"/>
-              <a:t>28.05.2024</a:t>
+              <a:t>15.07.2024</a:t>
             </a:fld>
             <a:endParaRPr lang="de-DE"/>
           </a:p>
@@ -3647,7 +3647,7 @@
           <a:p>
             <a:fld id="{31D96CED-D1E4-4665-B25C-870C194C3D2D}" type="datetime1">
               <a:rPr lang="de-DE" smtClean="0"/>
-              <a:t>28.05.2024</a:t>
+              <a:t>15.07.2024</a:t>
             </a:fld>
             <a:endParaRPr lang="de-DE"/>
           </a:p>
@@ -4059,7 +4059,7 @@
           <a:p>
             <a:fld id="{06B9A0F3-1205-4614-B883-F0E9F63AB377}" type="datetime1">
               <a:rPr lang="de-DE" smtClean="0"/>
-              <a:t>28.05.2024</a:t>
+              <a:t>15.07.2024</a:t>
             </a:fld>
             <a:endParaRPr lang="de-DE"/>
           </a:p>
@@ -4200,7 +4200,7 @@
           <a:p>
             <a:fld id="{45307BCB-901B-449C-B6AF-0B52AB795635}" type="datetime1">
               <a:rPr lang="de-DE" smtClean="0"/>
-              <a:t>28.05.2024</a:t>
+              <a:t>15.07.2024</a:t>
             </a:fld>
             <a:endParaRPr lang="de-DE"/>
           </a:p>
@@ -4313,7 +4313,7 @@
           <a:p>
             <a:fld id="{024E2BCB-B78A-4C7D-8266-4BD360643A9B}" type="datetime1">
               <a:rPr lang="de-DE" smtClean="0"/>
-              <a:t>28.05.2024</a:t>
+              <a:t>15.07.2024</a:t>
             </a:fld>
             <a:endParaRPr lang="de-DE"/>
           </a:p>
@@ -4624,7 +4624,7 @@
           <a:p>
             <a:fld id="{AC242A17-9516-4695-AA6D-183030BC9B8F}" type="datetime1">
               <a:rPr lang="de-DE" smtClean="0"/>
-              <a:t>28.05.2024</a:t>
+              <a:t>15.07.2024</a:t>
             </a:fld>
             <a:endParaRPr lang="de-DE"/>
           </a:p>
@@ -4912,7 +4912,7 @@
           <a:p>
             <a:fld id="{49587CDE-179D-4819-BC56-DD2DFDB2716D}" type="datetime1">
               <a:rPr lang="de-DE" smtClean="0"/>
-              <a:t>28.05.2024</a:t>
+              <a:t>15.07.2024</a:t>
             </a:fld>
             <a:endParaRPr lang="de-DE"/>
           </a:p>
@@ -5156,7 +5156,7 @@
           <a:p>
             <a:fld id="{FC1F98D9-A6F7-4C10-8FF5-625995F80EBD}" type="datetime1">
               <a:rPr lang="de-DE" smtClean="0"/>
-              <a:t>28.05.2024</a:t>
+              <a:t>15.07.2024</a:t>
             </a:fld>
             <a:endParaRPr lang="de-DE"/>
           </a:p>
@@ -5888,7 +5888,7 @@
             </a:pPr>
             <a:r>
               <a:rPr lang="de-DE" dirty="0"/>
-              <a:t>Indikatoren müssen integer-Werte (</a:t>
+              <a:t>Indikatoren müssen integer-Werte besitzen (</a:t>
             </a:r>
             <a:r>
               <a:rPr lang="de-DE" dirty="0">
@@ -5898,7 +5898,7 @@
             </a:r>
             <a:r>
               <a:rPr lang="de-DE" dirty="0"/>
-              <a:t> besitzen:</a:t>
+              <a:t>:</a:t>
             </a:r>
           </a:p>
           <a:p>
@@ -17794,7 +17794,7 @@
         <p:spPr>
           <a:xfrm>
             <a:off x="838200" y="1825625"/>
-            <a:ext cx="10357624" cy="4351338"/>
+            <a:ext cx="10357624" cy="4667250"/>
           </a:xfrm>
         </p:spPr>
         <p:txBody>
@@ -17945,6 +17945,18 @@
                 <a:sym typeface="Wingdings" panose="05000000000000000000" pitchFamily="2" charset="2"/>
               </a:rPr>
               <a:t>- und Standardmodell nicht genestet (Unvergleichbar)</a:t>
+            </a:r>
+          </a:p>
+          <a:p>
+            <a:pPr>
+              <a:buFont typeface="Wingdings" panose="05000000000000000000" pitchFamily="2" charset="2"/>
+              <a:buChar char="Ø"/>
+            </a:pPr>
+            <a:r>
+              <a:rPr lang="de-DE" sz="2400" dirty="0">
+                <a:sym typeface="Wingdings" panose="05000000000000000000" pitchFamily="2" charset="2"/>
+              </a:rPr>
+              <a:t> Es lassen sich lediglich manifeste Variablen mit 2 Ausprägungen modellieren</a:t>
             </a:r>
           </a:p>
           <a:p>
